--- a/PRD2018-G02-UML工具：Rational Rose.pptx
+++ b/PRD2018-G02-UML工具：Rational Rose.pptx
@@ -284,7 +284,7 @@
               <a:pPr>
                 <a:defRPr/>
               </a:pPr>
-              <a:t>2018/10/20</a:t>
+              <a:t>2018/10/21</a:t>
             </a:fld>
             <a:endParaRPr lang="zh-CN" altLang="en-US"/>
           </a:p>
@@ -731,7 +731,7 @@
             </a:pPr>
             <a:fld id="{7DBFF08F-314A-40FD-B423-5814E16254BF}" type="datetime1">
               <a:rPr lang="zh-CN" altLang="en-US" smtClean="0"/>
-              <a:t>2018/10/20</a:t>
+              <a:t>2018/10/21</a:t>
             </a:fld>
             <a:endParaRPr lang="zh-CN" altLang="en-US"/>
           </a:p>
@@ -943,7 +943,7 @@
             </a:pPr>
             <a:fld id="{36B5F1E9-E7F2-42A1-A18E-6DE9A76AEE8B}" type="datetime1">
               <a:rPr lang="zh-CN" altLang="en-US" smtClean="0"/>
-              <a:t>2018/10/20</a:t>
+              <a:t>2018/10/21</a:t>
             </a:fld>
             <a:endParaRPr lang="zh-CN" altLang="en-US"/>
           </a:p>
@@ -1165,7 +1165,7 @@
             </a:pPr>
             <a:fld id="{6AC976E4-0CE3-4C15-80BD-2992DECD9590}" type="datetime1">
               <a:rPr lang="zh-CN" altLang="en-US" smtClean="0"/>
-              <a:t>2018/10/20</a:t>
+              <a:t>2018/10/21</a:t>
             </a:fld>
             <a:endParaRPr lang="zh-CN" altLang="en-US"/>
           </a:p>
@@ -1377,7 +1377,7 @@
             </a:pPr>
             <a:fld id="{16025847-B5CC-43CF-B80C-8CF036CCFB56}" type="datetime1">
               <a:rPr lang="zh-CN" altLang="en-US" smtClean="0"/>
-              <a:t>2018/10/20</a:t>
+              <a:t>2018/10/21</a:t>
             </a:fld>
             <a:endParaRPr lang="zh-CN" altLang="en-US"/>
           </a:p>
@@ -1611,7 +1611,7 @@
             </a:pPr>
             <a:fld id="{C6C403FB-6DAD-458E-B4F5-A948B4FA8039}" type="datetime1">
               <a:rPr lang="zh-CN" altLang="en-US" smtClean="0"/>
-              <a:t>2018/10/20</a:t>
+              <a:t>2018/10/21</a:t>
             </a:fld>
             <a:endParaRPr lang="zh-CN" altLang="en-US"/>
           </a:p>
@@ -1885,7 +1885,7 @@
             </a:pPr>
             <a:fld id="{9CC2A9B6-4DAE-4160-9D22-287C4634C9E1}" type="datetime1">
               <a:rPr lang="zh-CN" altLang="en-US" smtClean="0"/>
-              <a:t>2018/10/20</a:t>
+              <a:t>2018/10/21</a:t>
             </a:fld>
             <a:endParaRPr lang="zh-CN" altLang="en-US"/>
           </a:p>
@@ -2294,7 +2294,7 @@
             </a:pPr>
             <a:fld id="{163E7780-9693-4704-B1C0-FDB6A2529CC8}" type="datetime1">
               <a:rPr lang="zh-CN" altLang="en-US" smtClean="0"/>
-              <a:t>2018/10/20</a:t>
+              <a:t>2018/10/21</a:t>
             </a:fld>
             <a:endParaRPr lang="zh-CN" altLang="en-US"/>
           </a:p>
@@ -2454,7 +2454,7 @@
             </a:pPr>
             <a:fld id="{9F145016-CB79-4FF2-A175-F7989E22D6E0}" type="datetime1">
               <a:rPr lang="zh-CN" altLang="en-US" smtClean="0"/>
-              <a:t>2018/10/20</a:t>
+              <a:t>2018/10/21</a:t>
             </a:fld>
             <a:endParaRPr lang="zh-CN" altLang="en-US"/>
           </a:p>
@@ -2591,7 +2591,7 @@
             </a:pPr>
             <a:fld id="{0744B2C5-6554-4F9D-962A-AD3517F8CD76}" type="datetime1">
               <a:rPr lang="zh-CN" altLang="en-US" smtClean="0"/>
-              <a:t>2018/10/20</a:t>
+              <a:t>2018/10/21</a:t>
             </a:fld>
             <a:endParaRPr lang="zh-CN" altLang="en-US"/>
           </a:p>
@@ -2910,7 +2910,7 @@
             </a:pPr>
             <a:fld id="{1F09112B-07D7-4BA9-BB9F-321E6D1BE182}" type="datetime1">
               <a:rPr lang="zh-CN" altLang="en-US" smtClean="0"/>
-              <a:t>2018/10/20</a:t>
+              <a:t>2018/10/21</a:t>
             </a:fld>
             <a:endParaRPr lang="zh-CN" altLang="en-US"/>
           </a:p>
@@ -3206,7 +3206,7 @@
             </a:pPr>
             <a:fld id="{0ED5625D-9095-487D-A643-EA5795D5EF82}" type="datetime1">
               <a:rPr lang="zh-CN" altLang="en-US" smtClean="0"/>
-              <a:t>2018/10/20</a:t>
+              <a:t>2018/10/21</a:t>
             </a:fld>
             <a:endParaRPr lang="zh-CN" altLang="en-US"/>
           </a:p>
@@ -3546,7 +3546,7 @@
             </a:pPr>
             <a:fld id="{565B46D3-803A-440C-95E2-DB16B6A03D35}" type="datetime1">
               <a:rPr lang="zh-CN" altLang="en-US" smtClean="0"/>
-              <a:t>2018/10/20</a:t>
+              <a:t>2018/10/21</a:t>
             </a:fld>
             <a:endParaRPr lang="zh-CN" altLang="en-US"/>
           </a:p>
@@ -4830,7 +4830,7 @@
                 </a:effectLst>
               </a:rPr>
               <a:pPr algn="ctr"/>
-              <a:t>2018/10/20</a:t>
+              <a:t>2018/10/21</a:t>
             </a:fld>
             <a:r>
               <a:rPr lang="zh-CN" altLang="en-US" sz="2000" b="1" dirty="0" smtClean="0">
@@ -5962,7 +5962,7 @@
                 </a:effectLst>
               </a:rPr>
               <a:pPr algn="ctr"/>
-              <a:t>2018/10/20</a:t>
+              <a:t>2018/10/21</a:t>
             </a:fld>
             <a:r>
               <a:rPr lang="zh-CN" altLang="en-US" sz="2000" b="1" dirty="0" smtClean="0">
@@ -6647,7 +6647,7 @@
                 </a:effectLst>
               </a:rPr>
               <a:pPr algn="ctr"/>
-              <a:t>2018/10/20</a:t>
+              <a:t>2018/10/21</a:t>
             </a:fld>
             <a:r>
               <a:rPr lang="zh-CN" altLang="en-US" sz="2000" b="1" dirty="0" smtClean="0">
@@ -7355,7 +7355,7 @@
                 </a:effectLst>
               </a:rPr>
               <a:pPr algn="ctr"/>
-              <a:t>2018/10/20</a:t>
+              <a:t>2018/10/21</a:t>
             </a:fld>
             <a:r>
               <a:rPr lang="zh-CN" altLang="en-US" sz="2000" b="1" dirty="0" smtClean="0">
@@ -8020,7 +8020,7 @@
                 </a:effectLst>
               </a:rPr>
               <a:pPr algn="ctr"/>
-              <a:t>2018/10/20</a:t>
+              <a:t>2018/10/21</a:t>
             </a:fld>
             <a:r>
               <a:rPr lang="zh-CN" altLang="en-US" sz="2000" b="1" dirty="0" smtClean="0">
@@ -8762,7 +8762,7 @@
                 </a:effectLst>
               </a:rPr>
               <a:pPr algn="ctr"/>
-              <a:t>2018/10/20</a:t>
+              <a:t>2018/10/21</a:t>
             </a:fld>
             <a:r>
               <a:rPr lang="zh-CN" altLang="en-US" sz="2000" b="1" dirty="0" smtClean="0">
@@ -9391,7 +9391,7 @@
                 </a:effectLst>
               </a:rPr>
               <a:pPr algn="ctr"/>
-              <a:t>2018/10/20</a:t>
+              <a:t>2018/10/21</a:t>
             </a:fld>
             <a:r>
               <a:rPr lang="zh-CN" altLang="en-US" sz="2000" b="1" dirty="0" smtClean="0">
@@ -9966,7 +9966,7 @@
                 </a:effectLst>
               </a:rPr>
               <a:pPr algn="ctr"/>
-              <a:t>2018/10/20</a:t>
+              <a:t>2018/10/21</a:t>
             </a:fld>
             <a:r>
               <a:rPr lang="zh-CN" altLang="en-US" sz="2000" b="1" dirty="0" smtClean="0">
@@ -10647,7 +10647,7 @@
                 </a:effectLst>
               </a:rPr>
               <a:pPr algn="ctr"/>
-              <a:t>2018/10/20</a:t>
+              <a:t>2018/10/21</a:t>
             </a:fld>
             <a:r>
               <a:rPr lang="zh-CN" altLang="en-US" sz="2000" b="1" dirty="0" smtClean="0">
@@ -11274,7 +11274,7 @@
                 </a:effectLst>
               </a:rPr>
               <a:pPr algn="ctr"/>
-              <a:t>2018/10/20</a:t>
+              <a:t>2018/10/21</a:t>
             </a:fld>
             <a:r>
               <a:rPr lang="zh-CN" altLang="en-US" sz="2000" b="1" dirty="0" smtClean="0">
@@ -11935,7 +11935,7 @@
                 </a:effectLst>
               </a:rPr>
               <a:pPr algn="ctr"/>
-              <a:t>2018/10/20</a:t>
+              <a:t>2018/10/21</a:t>
             </a:fld>
             <a:r>
               <a:rPr lang="zh-CN" altLang="en-US" sz="2000" b="1" dirty="0" smtClean="0">
@@ -13774,7 +13774,7 @@
                 </a:effectLst>
               </a:rPr>
               <a:pPr algn="ctr"/>
-              <a:t>2018/10/20</a:t>
+              <a:t>2018/10/21</a:t>
             </a:fld>
             <a:r>
               <a:rPr lang="zh-CN" altLang="en-US" sz="2000" b="1" dirty="0" smtClean="0">
@@ -14819,7 +14819,7 @@
                 </a:effectLst>
               </a:rPr>
               <a:pPr algn="ctr"/>
-              <a:t>2018/10/20</a:t>
+              <a:t>2018/10/21</a:t>
             </a:fld>
             <a:r>
               <a:rPr lang="zh-CN" altLang="en-US" sz="2000" b="1" dirty="0" smtClean="0">
@@ -15446,7 +15446,7 @@
                 </a:effectLst>
               </a:rPr>
               <a:pPr algn="ctr"/>
-              <a:t>2018/10/20</a:t>
+              <a:t>2018/10/21</a:t>
             </a:fld>
             <a:r>
               <a:rPr lang="zh-CN" altLang="en-US" sz="2000" b="1" dirty="0" smtClean="0">
@@ -16101,7 +16101,7 @@
                 </a:effectLst>
               </a:rPr>
               <a:pPr algn="ctr"/>
-              <a:t>2018/10/20</a:t>
+              <a:t>2018/10/21</a:t>
             </a:fld>
             <a:r>
               <a:rPr lang="zh-CN" altLang="en-US" sz="2000" b="1" dirty="0" smtClean="0">
@@ -16758,7 +16758,7 @@
                 </a:effectLst>
               </a:rPr>
               <a:pPr algn="ctr"/>
-              <a:t>2018/10/20</a:t>
+              <a:t>2018/10/21</a:t>
             </a:fld>
             <a:r>
               <a:rPr lang="zh-CN" altLang="en-US" sz="2000" b="1" dirty="0" smtClean="0">
@@ -17330,7 +17330,7 @@
                 </a:effectLst>
               </a:rPr>
               <a:pPr algn="ctr"/>
-              <a:t>2018/10/20</a:t>
+              <a:t>2018/10/21</a:t>
             </a:fld>
             <a:r>
               <a:rPr lang="zh-CN" altLang="en-US" sz="2000" b="1" dirty="0" smtClean="0">
@@ -17902,7 +17902,7 @@
                 </a:effectLst>
               </a:rPr>
               <a:pPr algn="ctr"/>
-              <a:t>2018/10/20</a:t>
+              <a:t>2018/10/21</a:t>
             </a:fld>
             <a:r>
               <a:rPr lang="zh-CN" altLang="en-US" sz="2000" b="1" dirty="0" smtClean="0">
@@ -18497,7 +18497,7 @@
                 </a:effectLst>
               </a:rPr>
               <a:pPr algn="ctr"/>
-              <a:t>2018/10/20</a:t>
+              <a:t>2018/10/21</a:t>
             </a:fld>
             <a:r>
               <a:rPr lang="zh-CN" altLang="en-US" sz="2000" b="1" dirty="0" smtClean="0">
@@ -19144,7 +19144,7 @@
                 </a:effectLst>
               </a:rPr>
               <a:pPr algn="ctr"/>
-              <a:t>2018/10/20</a:t>
+              <a:t>2018/10/21</a:t>
             </a:fld>
             <a:r>
               <a:rPr lang="zh-CN" altLang="en-US" sz="2000" b="1" dirty="0" smtClean="0">
@@ -19769,7 +19769,7 @@
                 </a:effectLst>
               </a:rPr>
               <a:pPr algn="ctr"/>
-              <a:t>2018/10/20</a:t>
+              <a:t>2018/10/21</a:t>
             </a:fld>
             <a:r>
               <a:rPr lang="zh-CN" altLang="en-US" sz="2000" b="1" dirty="0" smtClean="0">
@@ -20408,7 +20408,7 @@
                 </a:effectLst>
               </a:rPr>
               <a:pPr algn="ctr"/>
-              <a:t>2018/10/20</a:t>
+              <a:t>2018/10/21</a:t>
             </a:fld>
             <a:r>
               <a:rPr lang="zh-CN" altLang="en-US" sz="2000" b="1" dirty="0" smtClean="0">
@@ -20980,11 +20980,7 @@
             </a:r>
             <a:r>
               <a:rPr lang="zh-CN" altLang="en-US" sz="2000" dirty="0" smtClean="0"/>
-              <a:t>，</a:t>
-            </a:r>
-            <a:r>
-              <a:rPr lang="zh-CN" altLang="en-US" sz="2000" dirty="0" smtClean="0"/>
-              <a:t>以及</a:t>
+              <a:t>，以及</a:t>
             </a:r>
             <a:r>
               <a:rPr lang="en-US" altLang="zh-CN" sz="2000" dirty="0" smtClean="0"/>
@@ -21000,11 +20996,7 @@
             </a:r>
             <a:r>
               <a:rPr lang="zh-CN" altLang="en-US" sz="2000" dirty="0" smtClean="0"/>
-              <a:t>。</a:t>
-            </a:r>
-            <a:r>
-              <a:rPr lang="zh-CN" altLang="en-US" sz="2000" dirty="0" smtClean="0"/>
-              <a:t>其中</a:t>
+              <a:t>。其中</a:t>
             </a:r>
             <a:r>
               <a:rPr lang="zh-CN" altLang="en-US" sz="2000" dirty="0" smtClean="0">
@@ -21329,7 +21321,7 @@
                 </a:effectLst>
               </a:rPr>
               <a:pPr algn="ctr"/>
-              <a:t>2018/10/20</a:t>
+              <a:t>2018/10/21</a:t>
             </a:fld>
             <a:r>
               <a:rPr lang="zh-CN" altLang="en-US" sz="2000" b="1" dirty="0" smtClean="0">
@@ -21818,7 +21810,7 @@
                 </a:effectLst>
               </a:rPr>
               <a:pPr algn="ctr"/>
-              <a:t>2018/10/20</a:t>
+              <a:t>2018/10/21</a:t>
             </a:fld>
             <a:r>
               <a:rPr lang="zh-CN" altLang="en-US" sz="2000" b="1" dirty="0" smtClean="0">
@@ -22463,7 +22455,7 @@
                 </a:effectLst>
               </a:rPr>
               <a:pPr algn="ctr"/>
-              <a:t>2018/10/20</a:t>
+              <a:t>2018/10/21</a:t>
             </a:fld>
             <a:r>
               <a:rPr lang="zh-CN" altLang="en-US" sz="2000" b="1" dirty="0" smtClean="0">
@@ -23050,7 +23042,7 @@
                 </a:effectLst>
               </a:rPr>
               <a:pPr algn="ctr"/>
-              <a:t>2018/10/20</a:t>
+              <a:t>2018/10/21</a:t>
             </a:fld>
             <a:r>
               <a:rPr lang="zh-CN" altLang="en-US" sz="2000" b="1" dirty="0" smtClean="0">
@@ -23639,7 +23631,7 @@
                 </a:effectLst>
               </a:rPr>
               <a:pPr algn="ctr"/>
-              <a:t>2018/10/20</a:t>
+              <a:t>2018/10/21</a:t>
             </a:fld>
             <a:r>
               <a:rPr lang="zh-CN" altLang="en-US" sz="2000" b="1" dirty="0" smtClean="0">
@@ -24286,7 +24278,7 @@
                 </a:effectLst>
               </a:rPr>
               <a:pPr algn="ctr"/>
-              <a:t>2018/10/20</a:t>
+              <a:t>2018/10/21</a:t>
             </a:fld>
             <a:r>
               <a:rPr lang="zh-CN" altLang="en-US" sz="2000" b="1" dirty="0" smtClean="0">
@@ -24883,7 +24875,7 @@
                 </a:effectLst>
               </a:rPr>
               <a:pPr algn="ctr"/>
-              <a:t>2018/10/20</a:t>
+              <a:t>2018/10/21</a:t>
             </a:fld>
             <a:r>
               <a:rPr lang="zh-CN" altLang="en-US" sz="2000" b="1" dirty="0" smtClean="0">
@@ -25462,7 +25454,7 @@
                 </a:effectLst>
               </a:rPr>
               <a:pPr algn="ctr"/>
-              <a:t>2018/10/20</a:t>
+              <a:t>2018/10/21</a:t>
             </a:fld>
             <a:r>
               <a:rPr lang="zh-CN" altLang="en-US" sz="2000" b="1" dirty="0" smtClean="0">
@@ -26045,7 +26037,7 @@
                 </a:effectLst>
               </a:rPr>
               <a:pPr algn="ctr"/>
-              <a:t>2018/10/20</a:t>
+              <a:t>2018/10/21</a:t>
             </a:fld>
             <a:r>
               <a:rPr lang="zh-CN" altLang="en-US" sz="2000" b="1" dirty="0" smtClean="0">
@@ -26682,7 +26674,7 @@
                 </a:effectLst>
               </a:rPr>
               <a:pPr algn="ctr"/>
-              <a:t>2018/10/20</a:t>
+              <a:t>2018/10/21</a:t>
             </a:fld>
             <a:r>
               <a:rPr lang="zh-CN" altLang="en-US" sz="2000" b="1" dirty="0" smtClean="0">
@@ -27369,7 +27361,7 @@
                 </a:effectLst>
               </a:rPr>
               <a:pPr algn="ctr"/>
-              <a:t>2018/10/20</a:t>
+              <a:t>2018/10/21</a:t>
             </a:fld>
             <a:r>
               <a:rPr lang="zh-CN" altLang="en-US" sz="2000" b="1" dirty="0" smtClean="0">
@@ -28004,7 +27996,7 @@
                 </a:effectLst>
               </a:rPr>
               <a:pPr algn="ctr"/>
-              <a:t>2018/10/20</a:t>
+              <a:t>2018/10/21</a:t>
             </a:fld>
             <a:r>
               <a:rPr lang="zh-CN" altLang="en-US" sz="2000" b="1" dirty="0" smtClean="0">
@@ -28707,7 +28699,7 @@
                 </a:effectLst>
               </a:rPr>
               <a:pPr algn="ctr"/>
-              <a:t>2018/10/20</a:t>
+              <a:t>2018/10/21</a:t>
             </a:fld>
             <a:r>
               <a:rPr lang="zh-CN" altLang="en-US" sz="2000" b="1" dirty="0" smtClean="0">
@@ -29378,7 +29370,7 @@
                 </a:effectLst>
               </a:rPr>
               <a:pPr algn="ctr"/>
-              <a:t>2018/10/20</a:t>
+              <a:t>2018/10/21</a:t>
             </a:fld>
             <a:r>
               <a:rPr lang="zh-CN" altLang="en-US" sz="2000" b="1" dirty="0" smtClean="0">
@@ -29961,7 +29953,7 @@
                 </a:effectLst>
               </a:rPr>
               <a:pPr algn="ctr"/>
-              <a:t>2018/10/20</a:t>
+              <a:t>2018/10/21</a:t>
             </a:fld>
             <a:r>
               <a:rPr lang="zh-CN" altLang="en-US" sz="2000" b="1" dirty="0" smtClean="0">
@@ -30264,15 +30256,7 @@
                   <a:srgbClr val="000000"/>
                 </a:solidFill>
               </a:rPr>
-              <a:t>12</a:t>
-            </a:r>
-            <a:r>
-              <a:rPr lang="en-US" altLang="zh-CN" sz="1200" dirty="0" smtClean="0">
-                <a:solidFill>
-                  <a:srgbClr val="000000"/>
-                </a:solidFill>
-              </a:rPr>
-              <a:t>]</a:t>
+              <a:t>12]</a:t>
             </a:r>
             <a:endParaRPr lang="zh-CN" altLang="en-US" sz="2000" dirty="0"/>
           </a:p>
@@ -30638,7 +30622,7 @@
                 </a:effectLst>
               </a:rPr>
               <a:pPr algn="ctr"/>
-              <a:t>2018/10/20</a:t>
+              <a:t>2018/10/21</a:t>
             </a:fld>
             <a:r>
               <a:rPr lang="zh-CN" altLang="en-US" sz="2000" b="1" dirty="0" smtClean="0">
@@ -31261,7 +31245,7 @@
                 </a:effectLst>
               </a:rPr>
               <a:pPr algn="ctr"/>
-              <a:t>2018/10/20</a:t>
+              <a:t>2018/10/21</a:t>
             </a:fld>
             <a:r>
               <a:rPr lang="zh-CN" altLang="en-US" sz="2000" b="1" dirty="0" smtClean="0">
@@ -31930,7 +31914,7 @@
                 </a:effectLst>
               </a:rPr>
               <a:pPr algn="ctr"/>
-              <a:t>2018/10/20</a:t>
+              <a:t>2018/10/21</a:t>
             </a:fld>
             <a:r>
               <a:rPr lang="zh-CN" altLang="en-US" sz="2000" b="1" dirty="0" smtClean="0">
@@ -32151,11 +32135,7 @@
             </a:r>
             <a:r>
               <a:rPr lang="zh-CN" altLang="en-US" sz="2000" dirty="0" smtClean="0"/>
-              <a:t>通过公网访问</a:t>
-            </a:r>
-            <a:r>
-              <a:rPr lang="zh-CN" altLang="en-US" sz="2000" dirty="0" smtClean="0"/>
-              <a:t>网站，网站服务器接受</a:t>
+              <a:t>通过公网访问网站，网站服务器接受</a:t>
             </a:r>
             <a:r>
               <a:rPr lang="zh-CN" altLang="en-US" sz="2000" dirty="0"/>
@@ -32333,17 +32313,7 @@
                 <a:latin typeface="微软雅黑" pitchFamily="34" charset="-122"/>
                 <a:ea typeface="微软雅黑" pitchFamily="34" charset="-122"/>
               </a:rPr>
-              <a:t>3</a:t>
-            </a:r>
-            <a:r>
-              <a:rPr lang="en-US" altLang="zh-CN" sz="3200" dirty="0" smtClean="0">
-                <a:solidFill>
-                  <a:srgbClr val="FFFFFF"/>
-                </a:solidFill>
-                <a:latin typeface="微软雅黑" pitchFamily="34" charset="-122"/>
-                <a:ea typeface="微软雅黑" pitchFamily="34" charset="-122"/>
-              </a:rPr>
-              <a:t>.1 </a:t>
+              <a:t>3.1 </a:t>
             </a:r>
             <a:r>
               <a:rPr lang="zh-CN" altLang="en-US" sz="3200" dirty="0" smtClean="0">
@@ -32542,7 +32512,7 @@
                 </a:effectLst>
               </a:rPr>
               <a:pPr algn="ctr"/>
-              <a:t>2018/10/20</a:t>
+              <a:t>2018/10/21</a:t>
             </a:fld>
             <a:r>
               <a:rPr lang="zh-CN" altLang="en-US" sz="2000" b="1" dirty="0" smtClean="0">
@@ -32763,19 +32733,11 @@
             </a:r>
             <a:r>
               <a:rPr lang="en-US" altLang="zh-CN" sz="2000" dirty="0" smtClean="0"/>
-              <a:t>J</a:t>
-            </a:r>
-            <a:r>
-              <a:rPr lang="en-US" altLang="zh-CN" sz="2000" dirty="0" smtClean="0"/>
-              <a:t>ava</a:t>
+              <a:t>Java</a:t>
             </a:r>
             <a:r>
               <a:rPr lang="zh-CN" altLang="en-US" sz="2000" dirty="0" smtClean="0"/>
-              <a:t>工程</a:t>
-            </a:r>
-            <a:r>
-              <a:rPr lang="zh-CN" altLang="en-US" sz="2000" dirty="0" smtClean="0"/>
-              <a:t>为</a:t>
+              <a:t>工程为</a:t>
             </a:r>
             <a:r>
               <a:rPr lang="zh-CN" altLang="en-US" sz="2000" dirty="0"/>
@@ -32995,17 +32957,7 @@
                 <a:latin typeface="微软雅黑" pitchFamily="34" charset="-122"/>
                 <a:ea typeface="微软雅黑" pitchFamily="34" charset="-122"/>
               </a:rPr>
-              <a:t>3</a:t>
-            </a:r>
-            <a:r>
-              <a:rPr lang="en-US" altLang="zh-CN" sz="3200" dirty="0" smtClean="0">
-                <a:solidFill>
-                  <a:srgbClr val="FFFFFF"/>
-                </a:solidFill>
-                <a:latin typeface="微软雅黑" pitchFamily="34" charset="-122"/>
-                <a:ea typeface="微软雅黑" pitchFamily="34" charset="-122"/>
-              </a:rPr>
-              <a:t>.2 </a:t>
+              <a:t>3.2 </a:t>
             </a:r>
             <a:r>
               <a:rPr lang="zh-CN" altLang="en-US" sz="3200" dirty="0" smtClean="0">
@@ -33204,7 +33156,7 @@
                 </a:effectLst>
               </a:rPr>
               <a:pPr algn="ctr"/>
-              <a:t>2018/10/20</a:t>
+              <a:t>2018/10/21</a:t>
             </a:fld>
             <a:r>
               <a:rPr lang="zh-CN" altLang="en-US" sz="2000" b="1" dirty="0" smtClean="0">
@@ -33603,17 +33555,7 @@
                 <a:latin typeface="微软雅黑" pitchFamily="34" charset="-122"/>
                 <a:ea typeface="微软雅黑" pitchFamily="34" charset="-122"/>
               </a:rPr>
-              <a:t>3</a:t>
-            </a:r>
-            <a:r>
-              <a:rPr lang="en-US" altLang="zh-CN" sz="3200" dirty="0" smtClean="0">
-                <a:solidFill>
-                  <a:srgbClr val="FFFFFF"/>
-                </a:solidFill>
-                <a:latin typeface="微软雅黑" pitchFamily="34" charset="-122"/>
-                <a:ea typeface="微软雅黑" pitchFamily="34" charset="-122"/>
-              </a:rPr>
-              <a:t>.3 </a:t>
+              <a:t>3.3 </a:t>
             </a:r>
             <a:r>
               <a:rPr lang="zh-CN" altLang="en-US" sz="3200" dirty="0" smtClean="0">
@@ -33812,7 +33754,7 @@
                 </a:effectLst>
               </a:rPr>
               <a:pPr algn="ctr"/>
-              <a:t>2018/10/20</a:t>
+              <a:t>2018/10/21</a:t>
             </a:fld>
             <a:r>
               <a:rPr lang="zh-CN" altLang="en-US" sz="2000" b="1" dirty="0" smtClean="0">
@@ -34037,15 +33979,7 @@
             </a:r>
             <a:r>
               <a:rPr lang="zh-CN" altLang="en-US" sz="2000" dirty="0" smtClean="0"/>
-              <a:t>目录</a:t>
-            </a:r>
-            <a:r>
-              <a:rPr lang="zh-CN" altLang="en-US" sz="2000" dirty="0" smtClean="0"/>
-              <a:t>，及支持的包</a:t>
-            </a:r>
-            <a:r>
-              <a:rPr lang="zh-CN" altLang="en-US" sz="2000" dirty="0" smtClean="0"/>
-              <a:t> </a:t>
+              <a:t>目录，及支持的包 </a:t>
             </a:r>
             <a:endParaRPr lang="zh-CN" altLang="en-US" sz="2000" dirty="0"/>
           </a:p>
@@ -34215,17 +34149,7 @@
                 <a:latin typeface="微软雅黑" pitchFamily="34" charset="-122"/>
                 <a:ea typeface="微软雅黑" pitchFamily="34" charset="-122"/>
               </a:rPr>
-              <a:t>3</a:t>
-            </a:r>
-            <a:r>
-              <a:rPr lang="en-US" altLang="zh-CN" sz="3200" dirty="0" smtClean="0">
-                <a:solidFill>
-                  <a:srgbClr val="FFFFFF"/>
-                </a:solidFill>
-                <a:latin typeface="微软雅黑" pitchFamily="34" charset="-122"/>
-                <a:ea typeface="微软雅黑" pitchFamily="34" charset="-122"/>
-              </a:rPr>
-              <a:t>.4 </a:t>
+              <a:t>3.4 </a:t>
             </a:r>
             <a:r>
               <a:rPr lang="zh-CN" altLang="en-US" sz="3200" dirty="0" smtClean="0">
@@ -34424,7 +34348,7 @@
                 </a:effectLst>
               </a:rPr>
               <a:pPr algn="ctr"/>
-              <a:t>2018/10/20</a:t>
+              <a:t>2018/10/21</a:t>
             </a:fld>
             <a:r>
               <a:rPr lang="zh-CN" altLang="en-US" sz="2000" b="1" dirty="0" smtClean="0">
@@ -35004,7 +34928,7 @@
                 </a:effectLst>
               </a:rPr>
               <a:pPr algn="ctr"/>
-              <a:t>2018/10/20</a:t>
+              <a:t>2018/10/21</a:t>
             </a:fld>
             <a:r>
               <a:rPr lang="zh-CN" altLang="en-US" sz="2000" b="1" dirty="0" smtClean="0">
@@ -35185,23 +35109,31 @@
                   <a:srgbClr val="FF0000"/>
                 </a:solidFill>
               </a:rPr>
-              <a:t>中包含四个视图：</a:t>
-            </a:r>
-            <a:r>
-              <a:rPr lang="en-US" altLang="zh-CN" sz="2400" dirty="0">
+              <a:t>中包含四个视图</a:t>
+            </a:r>
+            <a:r>
+              <a:rPr lang="zh-CN" altLang="en-US" sz="2400" dirty="0" smtClean="0">
                 <a:solidFill>
                   <a:srgbClr val="FF0000"/>
                 </a:solidFill>
               </a:rPr>
-              <a:t>Use Case</a:t>
-            </a:r>
-            <a:r>
-              <a:rPr lang="zh-CN" altLang="en-US" sz="2400" dirty="0">
+              <a:t>：用例视图、</a:t>
+            </a:r>
+            <a:r>
+              <a:rPr lang="zh-CN" altLang="en-US" sz="2400" dirty="0" smtClean="0">
                 <a:solidFill>
                   <a:srgbClr val="FF0000"/>
                 </a:solidFill>
               </a:rPr>
-              <a:t>视图</a:t>
+              <a:t>逻辑</a:t>
+            </a:r>
+            <a:r>
+              <a:rPr lang="en-US" altLang="zh-CN" sz="2400" dirty="0" smtClean="0">
+                <a:solidFill>
+                  <a:srgbClr val="FF0000"/>
+                </a:solidFill>
+              </a:rPr>
+              <a:t>		</a:t>
             </a:r>
             <a:r>
               <a:rPr lang="zh-CN" altLang="en-US" sz="2400" dirty="0" smtClean="0">
@@ -35209,63 +35141,15 @@
                   <a:srgbClr val="FF0000"/>
                 </a:solidFill>
               </a:rPr>
-              <a:t>、</a:t>
-            </a:r>
-            <a:r>
-              <a:rPr lang="en-US" altLang="zh-CN" sz="2400" dirty="0" smtClean="0">
+              <a:t>视图、组件视图和部署视图</a:t>
+            </a:r>
+            <a:r>
+              <a:rPr lang="zh-CN" altLang="en-US" sz="2400" dirty="0" smtClean="0">
                 <a:solidFill>
                   <a:srgbClr val="FF0000"/>
                 </a:solidFill>
               </a:rPr>
-              <a:t>		Logical</a:t>
-            </a:r>
-            <a:r>
-              <a:rPr lang="zh-CN" altLang="en-US" sz="2400" dirty="0">
-                <a:solidFill>
-                  <a:srgbClr val="FF0000"/>
-                </a:solidFill>
-              </a:rPr>
-              <a:t>视图</a:t>
-            </a:r>
-            <a:r>
-              <a:rPr lang="zh-CN" altLang="en-US" sz="2400" dirty="0" smtClean="0">
-                <a:solidFill>
-                  <a:srgbClr val="FF0000"/>
-                </a:solidFill>
-              </a:rPr>
-              <a:t>、</a:t>
-            </a:r>
-            <a:r>
-              <a:rPr lang="en-US" altLang="zh-CN" sz="2400" dirty="0" smtClean="0">
-                <a:solidFill>
-                  <a:srgbClr val="FF0000"/>
-                </a:solidFill>
-              </a:rPr>
-              <a:t>Component</a:t>
-            </a:r>
-            <a:r>
-              <a:rPr lang="zh-CN" altLang="en-US" sz="2400" dirty="0">
-                <a:solidFill>
-                  <a:srgbClr val="FF0000"/>
-                </a:solidFill>
-              </a:rPr>
-              <a:t>视图和</a:t>
-            </a:r>
-            <a:r>
-              <a:rPr lang="en-US" altLang="zh-CN" sz="2400" dirty="0">
-                <a:solidFill>
-                  <a:srgbClr val="FF0000"/>
-                </a:solidFill>
-              </a:rPr>
-              <a:t>Deployment</a:t>
-            </a:r>
-            <a:r>
-              <a:rPr lang="zh-CN" altLang="en-US" sz="2400" dirty="0" smtClean="0">
-                <a:solidFill>
-                  <a:srgbClr val="FF0000"/>
-                </a:solidFill>
-              </a:rPr>
-              <a:t>视图。</a:t>
+              <a:t>。</a:t>
             </a:r>
             <a:endParaRPr lang="en-US" altLang="zh-CN" sz="2400" dirty="0" smtClean="0">
               <a:solidFill>
@@ -35565,17 +35449,7 @@
                 <a:latin typeface="微软雅黑" pitchFamily="34" charset="-122"/>
                 <a:ea typeface="微软雅黑" pitchFamily="34" charset="-122"/>
               </a:rPr>
-              <a:t>3</a:t>
-            </a:r>
-            <a:r>
-              <a:rPr lang="en-US" altLang="zh-CN" sz="3200" dirty="0" smtClean="0">
-                <a:solidFill>
-                  <a:srgbClr val="FFFFFF"/>
-                </a:solidFill>
-                <a:latin typeface="微软雅黑" pitchFamily="34" charset="-122"/>
-                <a:ea typeface="微软雅黑" pitchFamily="34" charset="-122"/>
-              </a:rPr>
-              <a:t>.5 </a:t>
+              <a:t>3.5 </a:t>
             </a:r>
             <a:r>
               <a:rPr lang="zh-CN" altLang="en-US" sz="3200" dirty="0" smtClean="0">
@@ -35774,7 +35648,7 @@
                 </a:effectLst>
               </a:rPr>
               <a:pPr algn="ctr"/>
-              <a:t>2018/10/20</a:t>
+              <a:t>2018/10/21</a:t>
             </a:fld>
             <a:r>
               <a:rPr lang="zh-CN" altLang="en-US" sz="2000" b="1" dirty="0" smtClean="0">
@@ -36374,7 +36248,7 @@
                 </a:effectLst>
               </a:rPr>
               <a:pPr algn="ctr"/>
-              <a:t>2018/10/20</a:t>
+              <a:t>2018/10/21</a:t>
             </a:fld>
             <a:r>
               <a:rPr lang="zh-CN" altLang="en-US" sz="2000" b="1" dirty="0" smtClean="0">
@@ -36621,11 +36495,7 @@
           <a:p>
             <a:r>
               <a:rPr lang="en-US" altLang="zh-CN" sz="2400" dirty="0" smtClean="0"/>
-              <a:t>2</a:t>
-            </a:r>
-            <a:r>
-              <a:rPr lang="en-US" altLang="zh-CN" sz="2400" dirty="0" smtClean="0"/>
-              <a:t>.Rose </a:t>
+              <a:t>2.Rose </a:t>
             </a:r>
             <a:r>
               <a:rPr lang="zh-CN" altLang="en-US" sz="2400" dirty="0" smtClean="0"/>
@@ -36659,11 +36529,7 @@
           <a:p>
             <a:r>
               <a:rPr lang="zh-CN" altLang="en-US" sz="2400" dirty="0" smtClean="0"/>
-              <a:t>答：用例</a:t>
-            </a:r>
-            <a:r>
-              <a:rPr lang="zh-CN" altLang="en-US" sz="2400" dirty="0" smtClean="0"/>
-              <a:t>视图、逻辑视图、组件视图和部署视图</a:t>
+              <a:t>答：用例视图、逻辑视图、组件视图和部署视图</a:t>
             </a:r>
             <a:r>
               <a:rPr lang="zh-CN" altLang="en-US" sz="2400" dirty="0"/>
@@ -37520,15 +37386,7 @@
             </a:r>
             <a:r>
               <a:rPr lang="en-US" altLang="zh-CN" dirty="0" smtClean="0"/>
-              <a:t>E9%83%A8%E7%BD%B2%E5%9B%BE</a:t>
-            </a:r>
-            <a:r>
-              <a:rPr lang="en-US" altLang="zh-CN" dirty="0" smtClean="0"/>
-              <a:t>		 </a:t>
-            </a:r>
-            <a:r>
-              <a:rPr lang="en-US" altLang="zh-CN" dirty="0" smtClean="0"/>
-              <a:t>2018/10/20</a:t>
+              <a:t>E9%83%A8%E7%BD%B2%E5%9B%BE		 2018/10/20</a:t>
             </a:r>
           </a:p>
           <a:p>
@@ -37821,7 +37679,7 @@
                 </a:effectLst>
               </a:rPr>
               <a:pPr algn="ctr"/>
-              <a:t>2018/10/20</a:t>
+              <a:t>2018/10/21</a:t>
             </a:fld>
             <a:r>
               <a:rPr lang="zh-CN" altLang="en-US" sz="2000" b="1" dirty="0" smtClean="0">
@@ -38242,7 +38100,7 @@
           <p:cNvPr id="10" name="TextBox 8">
             <a:extLst>
               <a:ext uri="{FF2B5EF4-FFF2-40B4-BE49-F238E27FC236}">
-                <a16:creationId xmlns="" xmlns:a16="http://schemas.microsoft.com/office/drawing/2014/main" id="{5F391EA9-68BD-4069-8C0B-AFFBC2C48E11}"/>
+                <a16:creationId xmlns:a16="http://schemas.microsoft.com/office/drawing/2014/main" xmlns="" id="{5F391EA9-68BD-4069-8C0B-AFFBC2C48E11}"/>
               </a:ext>
             </a:extLst>
           </p:cNvPr>
@@ -38437,7 +38295,7 @@
                 </a:effectLst>
               </a:rPr>
               <a:pPr algn="ctr"/>
-              <a:t>2018/10/20</a:t>
+              <a:t>2018/10/21</a:t>
             </a:fld>
             <a:r>
               <a:rPr lang="zh-CN" altLang="en-US" sz="2000" b="1" dirty="0" smtClean="0">
@@ -40143,7 +40001,7 @@
                 </a:effectLst>
               </a:rPr>
               <a:pPr algn="ctr"/>
-              <a:t>2018/10/20</a:t>
+              <a:t>2018/10/21</a:t>
             </a:fld>
             <a:r>
               <a:rPr lang="zh-CN" altLang="en-US" sz="2000" b="1" dirty="0" smtClean="0">
@@ -41362,7 +41220,7 @@
                 </a:effectLst>
               </a:rPr>
               <a:pPr algn="ctr"/>
-              <a:t>2018/10/20</a:t>
+              <a:t>2018/10/21</a:t>
             </a:fld>
             <a:r>
               <a:rPr lang="zh-CN" altLang="en-US" sz="2000" b="1" dirty="0" smtClean="0">
@@ -42239,7 +42097,7 @@
                 </a:effectLst>
               </a:rPr>
               <a:pPr algn="ctr"/>
-              <a:t>2018/10/20</a:t>
+              <a:t>2018/10/21</a:t>
             </a:fld>
             <a:r>
               <a:rPr lang="zh-CN" altLang="en-US" sz="2000" b="1" dirty="0" smtClean="0">
@@ -43063,7 +42921,7 @@
                 </a:effectLst>
               </a:rPr>
               <a:pPr algn="ctr"/>
-              <a:t>2018/10/20</a:t>
+              <a:t>2018/10/21</a:t>
             </a:fld>
             <a:r>
               <a:rPr lang="zh-CN" altLang="en-US" sz="2000" b="1" dirty="0" smtClean="0">
@@ -43788,7 +43646,7 @@
                 </a:effectLst>
               </a:rPr>
               <a:pPr algn="ctr"/>
-              <a:t>2018/10/20</a:t>
+              <a:t>2018/10/21</a:t>
             </a:fld>
             <a:r>
               <a:rPr lang="zh-CN" altLang="en-US" sz="2000" b="1" dirty="0" smtClean="0">
@@ -44534,7 +44392,7 @@
   </a:extraClrSchemeLst>
   <a:extLst>
     <a:ext uri="{05A4C25C-085E-4340-85A3-A5531E510DB2}">
-      <thm15:themeFamily xmlns:thm15="http://schemas.microsoft.com/office/thememl/2012/main" xmlns="" name="Office Theme" id="{62F939B6-93AF-4DB8-9C6B-D6C7DFDC589F}" vid="{4A3C46E8-61CC-4603-A589-7422A47A8E4A}"/>
+      <thm15:themeFamily xmlns="" xmlns:thm15="http://schemas.microsoft.com/office/thememl/2012/main" name="Office Theme" id="{62F939B6-93AF-4DB8-9C6B-D6C7DFDC589F}" vid="{4A3C46E8-61CC-4603-A589-7422A47A8E4A}"/>
     </a:ext>
   </a:extLst>
 </a:theme>
